--- a/source/images/AndroidLogSystem/AndroidLogSystem.pptx
+++ b/source/images/AndroidLogSystem/AndroidLogSystem.pptx
@@ -274,7 +274,7 @@
           <a:p>
             <a:fld id="{76F0D884-3D24-4722-A721-275D8ED8B7B5}" type="datetimeFigureOut">
               <a:rPr lang="zh-CN" altLang="en-US" smtClean="0"/>
-              <a:t>2019/9/11</a:t>
+              <a:t>2019/9/12</a:t>
             </a:fld>
             <a:endParaRPr lang="zh-CN" altLang="en-US"/>
           </a:p>
@@ -444,7 +444,7 @@
           <a:p>
             <a:fld id="{76F0D884-3D24-4722-A721-275D8ED8B7B5}" type="datetimeFigureOut">
               <a:rPr lang="zh-CN" altLang="en-US" smtClean="0"/>
-              <a:t>2019/9/11</a:t>
+              <a:t>2019/9/12</a:t>
             </a:fld>
             <a:endParaRPr lang="zh-CN" altLang="en-US"/>
           </a:p>
@@ -624,7 +624,7 @@
           <a:p>
             <a:fld id="{76F0D884-3D24-4722-A721-275D8ED8B7B5}" type="datetimeFigureOut">
               <a:rPr lang="zh-CN" altLang="en-US" smtClean="0"/>
-              <a:t>2019/9/11</a:t>
+              <a:t>2019/9/12</a:t>
             </a:fld>
             <a:endParaRPr lang="zh-CN" altLang="en-US"/>
           </a:p>
@@ -794,7 +794,7 @@
           <a:p>
             <a:fld id="{76F0D884-3D24-4722-A721-275D8ED8B7B5}" type="datetimeFigureOut">
               <a:rPr lang="zh-CN" altLang="en-US" smtClean="0"/>
-              <a:t>2019/9/11</a:t>
+              <a:t>2019/9/12</a:t>
             </a:fld>
             <a:endParaRPr lang="zh-CN" altLang="en-US"/>
           </a:p>
@@ -1045,7 +1045,7 @@
           <a:p>
             <a:fld id="{76F0D884-3D24-4722-A721-275D8ED8B7B5}" type="datetimeFigureOut">
               <a:rPr lang="zh-CN" altLang="en-US" smtClean="0"/>
-              <a:t>2019/9/11</a:t>
+              <a:t>2019/9/12</a:t>
             </a:fld>
             <a:endParaRPr lang="zh-CN" altLang="en-US"/>
           </a:p>
@@ -1277,7 +1277,7 @@
           <a:p>
             <a:fld id="{76F0D884-3D24-4722-A721-275D8ED8B7B5}" type="datetimeFigureOut">
               <a:rPr lang="zh-CN" altLang="en-US" smtClean="0"/>
-              <a:t>2019/9/11</a:t>
+              <a:t>2019/9/12</a:t>
             </a:fld>
             <a:endParaRPr lang="zh-CN" altLang="en-US"/>
           </a:p>
@@ -1624,7 +1624,7 @@
           <a:p>
             <a:fld id="{76F0D884-3D24-4722-A721-275D8ED8B7B5}" type="datetimeFigureOut">
               <a:rPr lang="zh-CN" altLang="en-US" smtClean="0"/>
-              <a:t>2019/9/11</a:t>
+              <a:t>2019/9/12</a:t>
             </a:fld>
             <a:endParaRPr lang="zh-CN" altLang="en-US"/>
           </a:p>
@@ -1742,7 +1742,7 @@
           <a:p>
             <a:fld id="{76F0D884-3D24-4722-A721-275D8ED8B7B5}" type="datetimeFigureOut">
               <a:rPr lang="zh-CN" altLang="en-US" smtClean="0"/>
-              <a:t>2019/9/11</a:t>
+              <a:t>2019/9/12</a:t>
             </a:fld>
             <a:endParaRPr lang="zh-CN" altLang="en-US"/>
           </a:p>
@@ -1860,7 +1860,7 @@
           <a:p>
             <a:fld id="{76F0D884-3D24-4722-A721-275D8ED8B7B5}" type="datetimeFigureOut">
               <a:rPr lang="zh-CN" altLang="en-US" smtClean="0"/>
-              <a:t>2019/9/11</a:t>
+              <a:t>2019/9/12</a:t>
             </a:fld>
             <a:endParaRPr lang="zh-CN" altLang="en-US"/>
           </a:p>
@@ -2144,7 +2144,7 @@
           <a:p>
             <a:fld id="{76F0D884-3D24-4722-A721-275D8ED8B7B5}" type="datetimeFigureOut">
               <a:rPr lang="zh-CN" altLang="en-US" smtClean="0"/>
-              <a:t>2019/9/11</a:t>
+              <a:t>2019/9/12</a:t>
             </a:fld>
             <a:endParaRPr lang="zh-CN" altLang="en-US"/>
           </a:p>
@@ -2408,7 +2408,7 @@
           <a:p>
             <a:fld id="{76F0D884-3D24-4722-A721-275D8ED8B7B5}" type="datetimeFigureOut">
               <a:rPr lang="zh-CN" altLang="en-US" smtClean="0"/>
-              <a:t>2019/9/11</a:t>
+              <a:t>2019/9/12</a:t>
             </a:fld>
             <a:endParaRPr lang="zh-CN" altLang="en-US"/>
           </a:p>
@@ -2622,7 +2622,7 @@
           <a:p>
             <a:fld id="{76F0D884-3D24-4722-A721-275D8ED8B7B5}" type="datetimeFigureOut">
               <a:rPr lang="zh-CN" altLang="en-US" smtClean="0"/>
-              <a:t>2019/9/11</a:t>
+              <a:t>2019/9/12</a:t>
             </a:fld>
             <a:endParaRPr lang="zh-CN" altLang="en-US"/>
           </a:p>
@@ -4847,11 +4847,7 @@
             <a:p>
               <a:r>
                 <a:rPr lang="en-US" altLang="zh-CN" sz="1000" dirty="0" smtClean="0"/>
-                <a:t>256</a:t>
-              </a:r>
-              <a:r>
-                <a:rPr lang="en-US" altLang="zh-CN" sz="1000" dirty="0" smtClean="0"/>
-                <a:t>kb</a:t>
+                <a:t>256kb</a:t>
               </a:r>
               <a:endParaRPr lang="zh-CN" altLang="en-US" sz="1000" dirty="0"/>
             </a:p>
@@ -7117,11 +7113,7 @@
           <a:p>
             <a:r>
               <a:rPr lang="en-US" altLang="zh-CN" dirty="0"/>
-              <a:t>/dev/socket/</a:t>
-            </a:r>
-            <a:r>
-              <a:rPr lang="en-US" altLang="zh-CN" dirty="0" err="1"/>
-              <a:t>logdw</a:t>
+              <a:t>/dev/socket/logdw</a:t>
             </a:r>
             <a:endParaRPr lang="zh-CN" altLang="en-US" dirty="0"/>
           </a:p>
@@ -8740,7 +8732,7 @@
         </p:nvSpPr>
         <p:spPr>
           <a:xfrm>
-            <a:off x="3721100" y="4278436"/>
+            <a:off x="3937397" y="4165326"/>
             <a:ext cx="1714500" cy="541214"/>
           </a:xfrm>
           <a:prstGeom prst="rect">
@@ -8773,6 +8765,374 @@
               <a:t>logd</a:t>
             </a:r>
             <a:endParaRPr lang="zh-CN" altLang="en-US" dirty="0"/>
+          </a:p>
+        </p:txBody>
+      </p:sp>
+      <p:sp>
+        <p:nvSpPr>
+          <p:cNvPr id="3" name="矩形 2"/>
+          <p:cNvSpPr/>
+          <p:nvPr/>
+        </p:nvSpPr>
+        <p:spPr>
+          <a:xfrm>
+            <a:off x="2317176" y="5440319"/>
+            <a:ext cx="4788474" cy="381000"/>
+          </a:xfrm>
+          <a:prstGeom prst="rect">
+            <a:avLst/>
+          </a:prstGeom>
+        </p:spPr>
+        <p:style>
+          <a:lnRef idx="2">
+            <a:schemeClr val="accent1">
+              <a:shade val="50000"/>
+            </a:schemeClr>
+          </a:lnRef>
+          <a:fillRef idx="1">
+            <a:schemeClr val="accent1"/>
+          </a:fillRef>
+          <a:effectRef idx="0">
+            <a:schemeClr val="accent1"/>
+          </a:effectRef>
+          <a:fontRef idx="minor">
+            <a:schemeClr val="lt1"/>
+          </a:fontRef>
+        </p:style>
+        <p:txBody>
+          <a:bodyPr rtlCol="0" anchor="ctr"/>
+          <a:lstStyle/>
+          <a:p>
+            <a:pPr algn="ctr"/>
+            <a:r>
+              <a:rPr lang="en-US" altLang="zh-CN" dirty="0" smtClean="0"/>
+              <a:t>UNIX Domain Socket</a:t>
+            </a:r>
+            <a:endParaRPr lang="zh-CN" altLang="en-US" dirty="0"/>
+          </a:p>
+        </p:txBody>
+      </p:sp>
+      <p:sp>
+        <p:nvSpPr>
+          <p:cNvPr id="4" name="文本框 3"/>
+          <p:cNvSpPr txBox="1"/>
+          <p:nvPr/>
+        </p:nvSpPr>
+        <p:spPr>
+          <a:xfrm>
+            <a:off x="2830216" y="5167953"/>
+            <a:ext cx="1384300" cy="276999"/>
+          </a:xfrm>
+          <a:prstGeom prst="rect">
+            <a:avLst/>
+          </a:prstGeom>
+          <a:noFill/>
+        </p:spPr>
+        <p:txBody>
+          <a:bodyPr wrap="square" rtlCol="0">
+            <a:spAutoFit/>
+          </a:bodyPr>
+          <a:lstStyle/>
+          <a:p>
+            <a:r>
+              <a:rPr lang="en-US" altLang="zh-CN" sz="1200" dirty="0" smtClean="0"/>
+              <a:t>/dev/socket/logdw</a:t>
+            </a:r>
+            <a:endParaRPr lang="zh-CN" altLang="en-US" sz="1200" dirty="0"/>
+          </a:p>
+        </p:txBody>
+      </p:sp>
+      <p:sp>
+        <p:nvSpPr>
+          <p:cNvPr id="5" name="任意多边形 4"/>
+          <p:cNvSpPr/>
+          <p:nvPr/>
+        </p:nvSpPr>
+        <p:spPr>
+          <a:xfrm>
+            <a:off x="2647941" y="3600450"/>
+            <a:ext cx="1524009" cy="1641582"/>
+          </a:xfrm>
+          <a:custGeom>
+            <a:avLst/>
+            <a:gdLst>
+              <a:gd name="connsiteX0" fmla="*/ 19059 w 1524009"/>
+              <a:gd name="connsiteY0" fmla="*/ 0 h 1641582"/>
+              <a:gd name="connsiteX1" fmla="*/ 9 w 1524009"/>
+              <a:gd name="connsiteY1" fmla="*/ 120650 h 1641582"/>
+              <a:gd name="connsiteX2" fmla="*/ 19059 w 1524009"/>
+              <a:gd name="connsiteY2" fmla="*/ 704850 h 1641582"/>
+              <a:gd name="connsiteX3" fmla="*/ 120659 w 1524009"/>
+              <a:gd name="connsiteY3" fmla="*/ 1441450 h 1641582"/>
+              <a:gd name="connsiteX4" fmla="*/ 355609 w 1524009"/>
+              <a:gd name="connsiteY4" fmla="*/ 1631950 h 1641582"/>
+              <a:gd name="connsiteX5" fmla="*/ 736609 w 1524009"/>
+              <a:gd name="connsiteY5" fmla="*/ 1587500 h 1641582"/>
+              <a:gd name="connsiteX6" fmla="*/ 1358909 w 1524009"/>
+              <a:gd name="connsiteY6" fmla="*/ 1365250 h 1641582"/>
+              <a:gd name="connsiteX7" fmla="*/ 1524009 w 1524009"/>
+              <a:gd name="connsiteY7" fmla="*/ 1085850 h 1641582"/>
+            </a:gdLst>
+            <a:ahLst/>
+            <a:cxnLst>
+              <a:cxn ang="0">
+                <a:pos x="connsiteX0" y="connsiteY0"/>
+              </a:cxn>
+              <a:cxn ang="0">
+                <a:pos x="connsiteX1" y="connsiteY1"/>
+              </a:cxn>
+              <a:cxn ang="0">
+                <a:pos x="connsiteX2" y="connsiteY2"/>
+              </a:cxn>
+              <a:cxn ang="0">
+                <a:pos x="connsiteX3" y="connsiteY3"/>
+              </a:cxn>
+              <a:cxn ang="0">
+                <a:pos x="connsiteX4" y="connsiteY4"/>
+              </a:cxn>
+              <a:cxn ang="0">
+                <a:pos x="connsiteX5" y="connsiteY5"/>
+              </a:cxn>
+              <a:cxn ang="0">
+                <a:pos x="connsiteX6" y="connsiteY6"/>
+              </a:cxn>
+              <a:cxn ang="0">
+                <a:pos x="connsiteX7" y="connsiteY7"/>
+              </a:cxn>
+            </a:cxnLst>
+            <a:rect l="l" t="t" r="r" b="b"/>
+            <a:pathLst>
+              <a:path w="1524009" h="1641582">
+                <a:moveTo>
+                  <a:pt x="19059" y="0"/>
+                </a:moveTo>
+                <a:cubicBezTo>
+                  <a:pt x="9534" y="1587"/>
+                  <a:pt x="9" y="3175"/>
+                  <a:pt x="9" y="120650"/>
+                </a:cubicBezTo>
+                <a:cubicBezTo>
+                  <a:pt x="9" y="238125"/>
+                  <a:pt x="-1049" y="484717"/>
+                  <a:pt x="19059" y="704850"/>
+                </a:cubicBezTo>
+                <a:cubicBezTo>
+                  <a:pt x="39167" y="924983"/>
+                  <a:pt x="64567" y="1286933"/>
+                  <a:pt x="120659" y="1441450"/>
+                </a:cubicBezTo>
+                <a:cubicBezTo>
+                  <a:pt x="176751" y="1595967"/>
+                  <a:pt x="252951" y="1607608"/>
+                  <a:pt x="355609" y="1631950"/>
+                </a:cubicBezTo>
+                <a:cubicBezTo>
+                  <a:pt x="458267" y="1656292"/>
+                  <a:pt x="569392" y="1631950"/>
+                  <a:pt x="736609" y="1587500"/>
+                </a:cubicBezTo>
+                <a:cubicBezTo>
+                  <a:pt x="903826" y="1543050"/>
+                  <a:pt x="1227676" y="1448858"/>
+                  <a:pt x="1358909" y="1365250"/>
+                </a:cubicBezTo>
+                <a:cubicBezTo>
+                  <a:pt x="1490142" y="1281642"/>
+                  <a:pt x="1507075" y="1183746"/>
+                  <a:pt x="1524009" y="1085850"/>
+                </a:cubicBezTo>
+              </a:path>
+            </a:pathLst>
+          </a:custGeom>
+          <a:noFill/>
+          <a:ln w="28575">
+            <a:solidFill>
+              <a:srgbClr val="C00000"/>
+            </a:solidFill>
+            <a:prstDash val="dash"/>
+            <a:headEnd type="none" w="med" len="med"/>
+            <a:tailEnd type="arrow" w="med" len="med"/>
+          </a:ln>
+        </p:spPr>
+        <p:style>
+          <a:lnRef idx="2">
+            <a:schemeClr val="accent1">
+              <a:shade val="50000"/>
+            </a:schemeClr>
+          </a:lnRef>
+          <a:fillRef idx="1">
+            <a:schemeClr val="accent1"/>
+          </a:fillRef>
+          <a:effectRef idx="0">
+            <a:schemeClr val="accent1"/>
+          </a:effectRef>
+          <a:fontRef idx="minor">
+            <a:schemeClr val="lt1"/>
+          </a:fontRef>
+        </p:style>
+        <p:txBody>
+          <a:bodyPr rtlCol="0" anchor="ctr"/>
+          <a:lstStyle/>
+          <a:p>
+            <a:pPr algn="ctr"/>
+            <a:endParaRPr lang="zh-CN" altLang="en-US"/>
+          </a:p>
+        </p:txBody>
+      </p:sp>
+      <p:sp>
+        <p:nvSpPr>
+          <p:cNvPr id="44" name="文本框 43"/>
+          <p:cNvSpPr txBox="1"/>
+          <p:nvPr/>
+        </p:nvSpPr>
+        <p:spPr>
+          <a:xfrm>
+            <a:off x="5227058" y="5169839"/>
+            <a:ext cx="1384300" cy="276999"/>
+          </a:xfrm>
+          <a:prstGeom prst="rect">
+            <a:avLst/>
+          </a:prstGeom>
+          <a:noFill/>
+        </p:spPr>
+        <p:txBody>
+          <a:bodyPr wrap="square" rtlCol="0">
+            <a:spAutoFit/>
+          </a:bodyPr>
+          <a:lstStyle/>
+          <a:p>
+            <a:r>
+              <a:rPr lang="en-US" altLang="zh-CN" sz="1200" dirty="0" smtClean="0"/>
+              <a:t>/dev/socket/logdr</a:t>
+            </a:r>
+            <a:endParaRPr lang="zh-CN" altLang="en-US" sz="1200" dirty="0"/>
+          </a:p>
+        </p:txBody>
+      </p:sp>
+      <p:sp>
+        <p:nvSpPr>
+          <p:cNvPr id="7" name="任意多边形 6"/>
+          <p:cNvSpPr/>
+          <p:nvPr/>
+        </p:nvSpPr>
+        <p:spPr>
+          <a:xfrm>
+            <a:off x="5219700" y="3594100"/>
+            <a:ext cx="1268450" cy="1661415"/>
+          </a:xfrm>
+          <a:custGeom>
+            <a:avLst/>
+            <a:gdLst>
+              <a:gd name="connsiteX0" fmla="*/ 0 w 1268450"/>
+              <a:gd name="connsiteY0" fmla="*/ 1104900 h 1661415"/>
+              <a:gd name="connsiteX1" fmla="*/ 76200 w 1268450"/>
+              <a:gd name="connsiteY1" fmla="*/ 1409700 h 1661415"/>
+              <a:gd name="connsiteX2" fmla="*/ 393700 w 1268450"/>
+              <a:gd name="connsiteY2" fmla="*/ 1581150 h 1661415"/>
+              <a:gd name="connsiteX3" fmla="*/ 800100 w 1268450"/>
+              <a:gd name="connsiteY3" fmla="*/ 1651000 h 1661415"/>
+              <a:gd name="connsiteX4" fmla="*/ 1035050 w 1268450"/>
+              <a:gd name="connsiteY4" fmla="*/ 1365250 h 1661415"/>
+              <a:gd name="connsiteX5" fmla="*/ 1238250 w 1268450"/>
+              <a:gd name="connsiteY5" fmla="*/ 381000 h 1661415"/>
+              <a:gd name="connsiteX6" fmla="*/ 1263650 w 1268450"/>
+              <a:gd name="connsiteY6" fmla="*/ 0 h 1661415"/>
+            </a:gdLst>
+            <a:ahLst/>
+            <a:cxnLst>
+              <a:cxn ang="0">
+                <a:pos x="connsiteX0" y="connsiteY0"/>
+              </a:cxn>
+              <a:cxn ang="0">
+                <a:pos x="connsiteX1" y="connsiteY1"/>
+              </a:cxn>
+              <a:cxn ang="0">
+                <a:pos x="connsiteX2" y="connsiteY2"/>
+              </a:cxn>
+              <a:cxn ang="0">
+                <a:pos x="connsiteX3" y="connsiteY3"/>
+              </a:cxn>
+              <a:cxn ang="0">
+                <a:pos x="connsiteX4" y="connsiteY4"/>
+              </a:cxn>
+              <a:cxn ang="0">
+                <a:pos x="connsiteX5" y="connsiteY5"/>
+              </a:cxn>
+              <a:cxn ang="0">
+                <a:pos x="connsiteX6" y="connsiteY6"/>
+              </a:cxn>
+            </a:cxnLst>
+            <a:rect l="l" t="t" r="r" b="b"/>
+            <a:pathLst>
+              <a:path w="1268450" h="1661415">
+                <a:moveTo>
+                  <a:pt x="0" y="1104900"/>
+                </a:moveTo>
+                <a:cubicBezTo>
+                  <a:pt x="5291" y="1217612"/>
+                  <a:pt x="10583" y="1330325"/>
+                  <a:pt x="76200" y="1409700"/>
+                </a:cubicBezTo>
+                <a:cubicBezTo>
+                  <a:pt x="141817" y="1489075"/>
+                  <a:pt x="273050" y="1540933"/>
+                  <a:pt x="393700" y="1581150"/>
+                </a:cubicBezTo>
+                <a:cubicBezTo>
+                  <a:pt x="514350" y="1621367"/>
+                  <a:pt x="693208" y="1686983"/>
+                  <a:pt x="800100" y="1651000"/>
+                </a:cubicBezTo>
+                <a:cubicBezTo>
+                  <a:pt x="906992" y="1615017"/>
+                  <a:pt x="962025" y="1576917"/>
+                  <a:pt x="1035050" y="1365250"/>
+                </a:cubicBezTo>
+                <a:cubicBezTo>
+                  <a:pt x="1108075" y="1153583"/>
+                  <a:pt x="1200150" y="608542"/>
+                  <a:pt x="1238250" y="381000"/>
+                </a:cubicBezTo>
+                <a:cubicBezTo>
+                  <a:pt x="1276350" y="153458"/>
+                  <a:pt x="1270000" y="76729"/>
+                  <a:pt x="1263650" y="0"/>
+                </a:cubicBezTo>
+              </a:path>
+            </a:pathLst>
+          </a:custGeom>
+          <a:noFill/>
+          <a:ln w="28575">
+            <a:solidFill>
+              <a:srgbClr val="C00000"/>
+            </a:solidFill>
+            <a:prstDash val="dash"/>
+            <a:headEnd type="none" w="med" len="med"/>
+            <a:tailEnd type="arrow" w="med" len="med"/>
+          </a:ln>
+        </p:spPr>
+        <p:style>
+          <a:lnRef idx="2">
+            <a:schemeClr val="accent1">
+              <a:shade val="50000"/>
+            </a:schemeClr>
+          </a:lnRef>
+          <a:fillRef idx="1">
+            <a:schemeClr val="accent1"/>
+          </a:fillRef>
+          <a:effectRef idx="0">
+            <a:schemeClr val="accent1"/>
+          </a:effectRef>
+          <a:fontRef idx="minor">
+            <a:schemeClr val="lt1"/>
+          </a:fontRef>
+        </p:style>
+        <p:txBody>
+          <a:bodyPr rtlCol="0" anchor="ctr"/>
+          <a:lstStyle/>
+          <a:p>
+            <a:pPr algn="ctr"/>
+            <a:endParaRPr lang="zh-CN" altLang="en-US"/>
           </a:p>
         </p:txBody>
       </p:sp>

--- a/source/images/AndroidLogSystem/AndroidLogSystem.pptx
+++ b/source/images/AndroidLogSystem/AndroidLogSystem.pptx
@@ -12,9 +12,10 @@
     <p:sldId id="262" r:id="rId6"/>
     <p:sldId id="265" r:id="rId7"/>
     <p:sldId id="264" r:id="rId8"/>
-    <p:sldId id="263" r:id="rId9"/>
-    <p:sldId id="261" r:id="rId10"/>
-    <p:sldId id="257" r:id="rId11"/>
+    <p:sldId id="266" r:id="rId9"/>
+    <p:sldId id="263" r:id="rId10"/>
+    <p:sldId id="261" r:id="rId11"/>
+    <p:sldId id="257" r:id="rId12"/>
   </p:sldIdLst>
   <p:sldSz cx="12192000" cy="6858000"/>
   <p:notesSz cx="6858000" cy="9144000"/>
@@ -3063,6 +3064,423 @@
 </file>
 
 <file path=ppt/slides/slide10.xml><?xml version="1.0" encoding="utf-8"?>
+<p:sld xmlns:a="http://schemas.openxmlformats.org/drawingml/2006/main" xmlns:r="http://schemas.openxmlformats.org/officeDocument/2006/relationships" xmlns:p="http://schemas.openxmlformats.org/presentationml/2006/main">
+  <p:cSld>
+    <p:spTree>
+      <p:nvGrpSpPr>
+        <p:cNvPr id="1" name=""/>
+        <p:cNvGrpSpPr/>
+        <p:nvPr/>
+      </p:nvGrpSpPr>
+      <p:grpSpPr>
+        <a:xfrm>
+          <a:off x="0" y="0"/>
+          <a:ext cx="0" cy="0"/>
+          <a:chOff x="0" y="0"/>
+          <a:chExt cx="0" cy="0"/>
+        </a:xfrm>
+      </p:grpSpPr>
+      <p:sp>
+        <p:nvSpPr>
+          <p:cNvPr id="4" name="文本框 3"/>
+          <p:cNvSpPr txBox="1"/>
+          <p:nvPr/>
+        </p:nvSpPr>
+        <p:spPr>
+          <a:xfrm>
+            <a:off x="3938270" y="5015230"/>
+            <a:ext cx="722630" cy="369332"/>
+          </a:xfrm>
+          <a:prstGeom prst="rect">
+            <a:avLst/>
+          </a:prstGeom>
+          <a:noFill/>
+        </p:spPr>
+        <p:txBody>
+          <a:bodyPr wrap="square" rtlCol="0">
+            <a:spAutoFit/>
+          </a:bodyPr>
+          <a:lstStyle/>
+          <a:p>
+            <a:r>
+              <a:rPr lang="en-US" altLang="zh-CN" dirty="0" smtClean="0"/>
+              <a:t>main</a:t>
+            </a:r>
+            <a:endParaRPr lang="zh-CN" altLang="en-US" dirty="0"/>
+          </a:p>
+        </p:txBody>
+      </p:sp>
+      <p:sp>
+        <p:nvSpPr>
+          <p:cNvPr id="5" name="文本框 4"/>
+          <p:cNvSpPr txBox="1"/>
+          <p:nvPr/>
+        </p:nvSpPr>
+        <p:spPr>
+          <a:xfrm>
+            <a:off x="4660900" y="5015230"/>
+            <a:ext cx="722630" cy="369332"/>
+          </a:xfrm>
+          <a:prstGeom prst="rect">
+            <a:avLst/>
+          </a:prstGeom>
+          <a:noFill/>
+        </p:spPr>
+        <p:txBody>
+          <a:bodyPr wrap="square" rtlCol="0">
+            <a:spAutoFit/>
+          </a:bodyPr>
+          <a:lstStyle/>
+          <a:p>
+            <a:r>
+              <a:rPr lang="en-US" altLang="zh-CN" dirty="0" smtClean="0"/>
+              <a:t>radio</a:t>
+            </a:r>
+            <a:endParaRPr lang="zh-CN" altLang="en-US" dirty="0"/>
+          </a:p>
+        </p:txBody>
+      </p:sp>
+      <p:sp>
+        <p:nvSpPr>
+          <p:cNvPr id="6" name="文本框 5"/>
+          <p:cNvSpPr txBox="1"/>
+          <p:nvPr/>
+        </p:nvSpPr>
+        <p:spPr>
+          <a:xfrm>
+            <a:off x="5383530" y="5015230"/>
+            <a:ext cx="902970" cy="369332"/>
+          </a:xfrm>
+          <a:prstGeom prst="rect">
+            <a:avLst/>
+          </a:prstGeom>
+          <a:noFill/>
+        </p:spPr>
+        <p:txBody>
+          <a:bodyPr wrap="square" rtlCol="0">
+            <a:spAutoFit/>
+          </a:bodyPr>
+          <a:lstStyle/>
+          <a:p>
+            <a:r>
+              <a:rPr lang="en-US" altLang="zh-CN" dirty="0" smtClean="0"/>
+              <a:t>events</a:t>
+            </a:r>
+            <a:endParaRPr lang="zh-CN" altLang="en-US" dirty="0"/>
+          </a:p>
+        </p:txBody>
+      </p:sp>
+      <p:sp>
+        <p:nvSpPr>
+          <p:cNvPr id="7" name="矩形 6"/>
+          <p:cNvSpPr/>
+          <p:nvPr/>
+        </p:nvSpPr>
+        <p:spPr>
+          <a:xfrm>
+            <a:off x="1269267" y="5015230"/>
+            <a:ext cx="1576265" cy="369332"/>
+          </a:xfrm>
+          <a:prstGeom prst="rect">
+            <a:avLst/>
+          </a:prstGeom>
+        </p:spPr>
+        <p:txBody>
+          <a:bodyPr wrap="none">
+            <a:spAutoFit/>
+          </a:bodyPr>
+          <a:lstStyle/>
+          <a:p>
+            <a:r>
+              <a:rPr lang="zh-CN" altLang="en-US" dirty="0"/>
+              <a:t>logger_name.c</a:t>
+            </a:r>
+          </a:p>
+        </p:txBody>
+      </p:sp>
+      <p:sp>
+        <p:nvSpPr>
+          <p:cNvPr id="8" name="矩形 7"/>
+          <p:cNvSpPr/>
+          <p:nvPr/>
+        </p:nvSpPr>
+        <p:spPr>
+          <a:xfrm>
+            <a:off x="7170244" y="3936484"/>
+            <a:ext cx="758541" cy="369332"/>
+          </a:xfrm>
+          <a:prstGeom prst="rect">
+            <a:avLst/>
+          </a:prstGeom>
+        </p:spPr>
+        <p:txBody>
+          <a:bodyPr wrap="none">
+            <a:spAutoFit/>
+          </a:bodyPr>
+          <a:lstStyle/>
+          <a:p>
+            <a:r>
+              <a:rPr lang="zh-CN" altLang="en-US" dirty="0"/>
+              <a:t>log_id</a:t>
+            </a:r>
+          </a:p>
+        </p:txBody>
+      </p:sp>
+      <p:sp>
+        <p:nvSpPr>
+          <p:cNvPr id="9" name="矩形 8"/>
+          <p:cNvSpPr/>
+          <p:nvPr/>
+        </p:nvSpPr>
+        <p:spPr>
+          <a:xfrm>
+            <a:off x="939881" y="3936484"/>
+            <a:ext cx="2235035" cy="369332"/>
+          </a:xfrm>
+          <a:prstGeom prst="rect">
+            <a:avLst/>
+          </a:prstGeom>
+        </p:spPr>
+        <p:txBody>
+          <a:bodyPr wrap="none">
+            <a:spAutoFit/>
+          </a:bodyPr>
+          <a:lstStyle/>
+          <a:p>
+            <a:r>
+              <a:rPr lang="zh-CN" altLang="en-US" dirty="0"/>
+              <a:t>include/android/log.h</a:t>
+            </a:r>
+          </a:p>
+        </p:txBody>
+      </p:sp>
+      <p:sp>
+        <p:nvSpPr>
+          <p:cNvPr id="10" name="文本框 9"/>
+          <p:cNvSpPr txBox="1"/>
+          <p:nvPr/>
+        </p:nvSpPr>
+        <p:spPr>
+          <a:xfrm>
+            <a:off x="6286500" y="5015230"/>
+            <a:ext cx="901700" cy="369332"/>
+          </a:xfrm>
+          <a:prstGeom prst="rect">
+            <a:avLst/>
+          </a:prstGeom>
+          <a:noFill/>
+        </p:spPr>
+        <p:txBody>
+          <a:bodyPr wrap="square" rtlCol="0">
+            <a:spAutoFit/>
+          </a:bodyPr>
+          <a:lstStyle/>
+          <a:p>
+            <a:r>
+              <a:rPr lang="en-US" altLang="zh-CN" dirty="0" smtClean="0"/>
+              <a:t>system</a:t>
+            </a:r>
+            <a:endParaRPr lang="zh-CN" altLang="en-US" dirty="0"/>
+          </a:p>
+        </p:txBody>
+      </p:sp>
+      <p:sp>
+        <p:nvSpPr>
+          <p:cNvPr id="11" name="文本框 10"/>
+          <p:cNvSpPr txBox="1"/>
+          <p:nvPr/>
+        </p:nvSpPr>
+        <p:spPr>
+          <a:xfrm>
+            <a:off x="7188200" y="5015230"/>
+            <a:ext cx="722630" cy="369332"/>
+          </a:xfrm>
+          <a:prstGeom prst="rect">
+            <a:avLst/>
+          </a:prstGeom>
+          <a:noFill/>
+        </p:spPr>
+        <p:txBody>
+          <a:bodyPr wrap="square" rtlCol="0">
+            <a:spAutoFit/>
+          </a:bodyPr>
+          <a:lstStyle/>
+          <a:p>
+            <a:r>
+              <a:rPr lang="en-US" altLang="zh-CN" dirty="0" smtClean="0"/>
+              <a:t>crash</a:t>
+            </a:r>
+            <a:endParaRPr lang="zh-CN" altLang="en-US" dirty="0"/>
+          </a:p>
+        </p:txBody>
+      </p:sp>
+      <p:sp>
+        <p:nvSpPr>
+          <p:cNvPr id="12" name="文本框 11"/>
+          <p:cNvSpPr txBox="1"/>
+          <p:nvPr/>
+        </p:nvSpPr>
+        <p:spPr>
+          <a:xfrm>
+            <a:off x="7910830" y="5015230"/>
+            <a:ext cx="902970" cy="369332"/>
+          </a:xfrm>
+          <a:prstGeom prst="rect">
+            <a:avLst/>
+          </a:prstGeom>
+          <a:noFill/>
+        </p:spPr>
+        <p:txBody>
+          <a:bodyPr wrap="square" rtlCol="0">
+            <a:spAutoFit/>
+          </a:bodyPr>
+          <a:lstStyle/>
+          <a:p>
+            <a:r>
+              <a:rPr lang="en-US" altLang="zh-CN" dirty="0" smtClean="0"/>
+              <a:t>stats</a:t>
+            </a:r>
+            <a:endParaRPr lang="zh-CN" altLang="en-US" dirty="0"/>
+          </a:p>
+        </p:txBody>
+      </p:sp>
+      <p:sp>
+        <p:nvSpPr>
+          <p:cNvPr id="13" name="文本框 12"/>
+          <p:cNvSpPr txBox="1"/>
+          <p:nvPr/>
+        </p:nvSpPr>
+        <p:spPr>
+          <a:xfrm>
+            <a:off x="8633460" y="5015230"/>
+            <a:ext cx="974090" cy="369332"/>
+          </a:xfrm>
+          <a:prstGeom prst="rect">
+            <a:avLst/>
+          </a:prstGeom>
+          <a:noFill/>
+        </p:spPr>
+        <p:txBody>
+          <a:bodyPr wrap="square" rtlCol="0">
+            <a:spAutoFit/>
+          </a:bodyPr>
+          <a:lstStyle/>
+          <a:p>
+            <a:r>
+              <a:rPr lang="en-US" altLang="zh-CN" dirty="0" smtClean="0"/>
+              <a:t>security</a:t>
+            </a:r>
+            <a:endParaRPr lang="zh-CN" altLang="en-US" dirty="0"/>
+          </a:p>
+        </p:txBody>
+      </p:sp>
+      <p:sp>
+        <p:nvSpPr>
+          <p:cNvPr id="14" name="文本框 13"/>
+          <p:cNvSpPr txBox="1"/>
+          <p:nvPr/>
+        </p:nvSpPr>
+        <p:spPr>
+          <a:xfrm>
+            <a:off x="9536430" y="5015230"/>
+            <a:ext cx="902970" cy="369332"/>
+          </a:xfrm>
+          <a:prstGeom prst="rect">
+            <a:avLst/>
+          </a:prstGeom>
+          <a:noFill/>
+        </p:spPr>
+        <p:txBody>
+          <a:bodyPr wrap="square" rtlCol="0">
+            <a:spAutoFit/>
+          </a:bodyPr>
+          <a:lstStyle/>
+          <a:p>
+            <a:r>
+              <a:rPr lang="en-US" altLang="zh-CN" dirty="0" smtClean="0"/>
+              <a:t>kernel</a:t>
+            </a:r>
+            <a:endParaRPr lang="zh-CN" altLang="en-US" dirty="0"/>
+          </a:p>
+        </p:txBody>
+      </p:sp>
+      <p:sp>
+        <p:nvSpPr>
+          <p:cNvPr id="15" name="矩形 14"/>
+          <p:cNvSpPr/>
+          <p:nvPr/>
+        </p:nvSpPr>
+        <p:spPr>
+          <a:xfrm>
+            <a:off x="3938270" y="2615684"/>
+            <a:ext cx="1532086" cy="369332"/>
+          </a:xfrm>
+          <a:prstGeom prst="rect">
+            <a:avLst/>
+          </a:prstGeom>
+        </p:spPr>
+        <p:txBody>
+          <a:bodyPr wrap="none">
+            <a:spAutoFit/>
+          </a:bodyPr>
+          <a:lstStyle/>
+          <a:p>
+            <a:r>
+              <a:rPr lang="zh-CN" altLang="en-US" dirty="0"/>
+              <a:t>logger_write.c</a:t>
+            </a:r>
+          </a:p>
+        </p:txBody>
+      </p:sp>
+      <p:sp>
+        <p:nvSpPr>
+          <p:cNvPr id="16" name="矩形 15"/>
+          <p:cNvSpPr/>
+          <p:nvPr/>
+        </p:nvSpPr>
+        <p:spPr>
+          <a:xfrm>
+            <a:off x="8633460" y="2615684"/>
+            <a:ext cx="1469057" cy="369332"/>
+          </a:xfrm>
+          <a:prstGeom prst="rect">
+            <a:avLst/>
+          </a:prstGeom>
+        </p:spPr>
+        <p:txBody>
+          <a:bodyPr wrap="none">
+            <a:spAutoFit/>
+          </a:bodyPr>
+          <a:lstStyle/>
+          <a:p>
+            <a:r>
+              <a:rPr lang="zh-CN" altLang="en-US" dirty="0"/>
+              <a:t>logger_read.c</a:t>
+            </a:r>
+          </a:p>
+        </p:txBody>
+      </p:sp>
+    </p:spTree>
+    <p:extLst>
+      <p:ext uri="{BB962C8B-B14F-4D97-AF65-F5344CB8AC3E}">
+        <p14:creationId xmlns:p14="http://schemas.microsoft.com/office/powerpoint/2010/main" val="900382679"/>
+      </p:ext>
+    </p:extLst>
+  </p:cSld>
+  <p:clrMapOvr>
+    <a:masterClrMapping/>
+  </p:clrMapOvr>
+  <p:timing>
+    <p:tnLst>
+      <p:par>
+        <p:cTn id="1" dur="indefinite" restart="never" nodeType="tmRoot"/>
+      </p:par>
+    </p:tnLst>
+  </p:timing>
+</p:sld>
+</file>
+
+<file path=ppt/slides/slide11.xml><?xml version="1.0" encoding="utf-8"?>
 <p:sld xmlns:a="http://schemas.openxmlformats.org/drawingml/2006/main" xmlns:r="http://schemas.openxmlformats.org/officeDocument/2006/relationships" xmlns:p="http://schemas.openxmlformats.org/presentationml/2006/main">
   <p:cSld>
     <p:spTree>
@@ -7280,7 +7698,7 @@
           <a:lstStyle/>
           <a:p>
             <a:r>
-              <a:rPr lang="en-US" altLang="zh-CN" dirty="0" err="1" smtClean="0"/>
+              <a:rPr lang="en-US" altLang="zh-CN" dirty="0" smtClean="0"/>
               <a:t>logd</a:t>
             </a:r>
             <a:endParaRPr lang="zh-CN" altLang="en-US" dirty="0"/>
@@ -8738,6 +9156,9 @@
           <a:prstGeom prst="rect">
             <a:avLst/>
           </a:prstGeom>
+          <a:ln>
+            <a:noFill/>
+          </a:ln>
         </p:spPr>
         <p:style>
           <a:lnRef idx="2">
@@ -8761,7 +9182,7 @@
           <a:p>
             <a:pPr algn="ctr"/>
             <a:r>
-              <a:rPr lang="en-US" altLang="zh-CN" dirty="0" err="1" smtClean="0"/>
+              <a:rPr lang="en-US" altLang="zh-CN" dirty="0" smtClean="0"/>
               <a:t>logd</a:t>
             </a:r>
             <a:endParaRPr lang="zh-CN" altLang="en-US" dirty="0"/>
@@ -9136,6 +9557,49 @@
           </a:p>
         </p:txBody>
       </p:sp>
+      <p:sp>
+        <p:nvSpPr>
+          <p:cNvPr id="10" name="文本框 9"/>
+          <p:cNvSpPr txBox="1"/>
+          <p:nvPr/>
+        </p:nvSpPr>
+        <p:spPr>
+          <a:xfrm>
+            <a:off x="4279661" y="4589803"/>
+            <a:ext cx="897473" cy="307777"/>
+          </a:xfrm>
+          <a:prstGeom prst="rect">
+            <a:avLst/>
+          </a:prstGeom>
+          <a:solidFill>
+            <a:schemeClr val="accent4">
+              <a:lumMod val="20000"/>
+              <a:lumOff val="80000"/>
+            </a:schemeClr>
+          </a:solidFill>
+        </p:spPr>
+        <p:txBody>
+          <a:bodyPr wrap="square" rtlCol="0">
+            <a:spAutoFit/>
+          </a:bodyPr>
+          <a:lstStyle/>
+          <a:p>
+            <a:r>
+              <a:rPr lang="en-US" altLang="zh-CN" sz="1400" b="1" dirty="0" smtClean="0">
+                <a:solidFill>
+                  <a:srgbClr val="C00000"/>
+                </a:solidFill>
+              </a:rPr>
+              <a:t>LogBuffer</a:t>
+            </a:r>
+            <a:endParaRPr lang="zh-CN" altLang="en-US" sz="1400" b="1" dirty="0">
+              <a:solidFill>
+                <a:srgbClr val="C00000"/>
+              </a:solidFill>
+            </a:endParaRPr>
+          </a:p>
+        </p:txBody>
+      </p:sp>
     </p:spTree>
     <p:extLst>
       <p:ext uri="{BB962C8B-B14F-4D97-AF65-F5344CB8AC3E}">
@@ -9173,23 +9637,58 @@
           <a:chExt cx="0" cy="0"/>
         </a:xfrm>
       </p:grpSpPr>
+      <p:sp>
+        <p:nvSpPr>
+          <p:cNvPr id="2" name="标题 1"/>
+          <p:cNvSpPr>
+            <a:spLocks noGrp="1"/>
+          </p:cNvSpPr>
+          <p:nvPr>
+            <p:ph type="title"/>
+          </p:nvPr>
+        </p:nvSpPr>
+        <p:spPr/>
+        <p:txBody>
+          <a:bodyPr/>
+          <a:lstStyle/>
+          <a:p>
+            <a:r>
+              <a:rPr lang="en-US" altLang="zh-CN" dirty="0" err="1" smtClean="0"/>
+              <a:t>liblog</a:t>
+            </a:r>
+            <a:endParaRPr lang="zh-CN" altLang="en-US" dirty="0"/>
+          </a:p>
+        </p:txBody>
+      </p:sp>
+      <p:sp>
+        <p:nvSpPr>
+          <p:cNvPr id="3" name="内容占位符 2"/>
+          <p:cNvSpPr>
+            <a:spLocks noGrp="1"/>
+          </p:cNvSpPr>
+          <p:nvPr>
+            <p:ph idx="1"/>
+          </p:nvPr>
+        </p:nvSpPr>
+        <p:spPr/>
+        <p:txBody>
+          <a:bodyPr/>
+          <a:lstStyle/>
+          <a:p>
+            <a:endParaRPr lang="zh-CN" altLang="en-US"/>
+          </a:p>
+        </p:txBody>
+      </p:sp>
     </p:spTree>
     <p:extLst>
       <p:ext uri="{BB962C8B-B14F-4D97-AF65-F5344CB8AC3E}">
-        <p14:creationId xmlns:p14="http://schemas.microsoft.com/office/powerpoint/2010/main" val="4257707756"/>
+        <p14:creationId xmlns:p14="http://schemas.microsoft.com/office/powerpoint/2010/main" val="3566801663"/>
       </p:ext>
     </p:extLst>
   </p:cSld>
   <p:clrMapOvr>
     <a:masterClrMapping/>
   </p:clrMapOvr>
-  <p:timing>
-    <p:tnLst>
-      <p:par>
-        <p:cTn id="1" dur="indefinite" restart="never" nodeType="tmRoot"/>
-      </p:par>
-    </p:tnLst>
-  </p:timing>
 </p:sld>
 </file>
 
@@ -9210,390 +9709,10 @@
           <a:chExt cx="0" cy="0"/>
         </a:xfrm>
       </p:grpSpPr>
-      <p:sp>
-        <p:nvSpPr>
-          <p:cNvPr id="4" name="文本框 3"/>
-          <p:cNvSpPr txBox="1"/>
-          <p:nvPr/>
-        </p:nvSpPr>
-        <p:spPr>
-          <a:xfrm>
-            <a:off x="3938270" y="5015230"/>
-            <a:ext cx="722630" cy="369332"/>
-          </a:xfrm>
-          <a:prstGeom prst="rect">
-            <a:avLst/>
-          </a:prstGeom>
-          <a:noFill/>
-        </p:spPr>
-        <p:txBody>
-          <a:bodyPr wrap="square" rtlCol="0">
-            <a:spAutoFit/>
-          </a:bodyPr>
-          <a:lstStyle/>
-          <a:p>
-            <a:r>
-              <a:rPr lang="en-US" altLang="zh-CN" dirty="0" smtClean="0"/>
-              <a:t>main</a:t>
-            </a:r>
-            <a:endParaRPr lang="zh-CN" altLang="en-US" dirty="0"/>
-          </a:p>
-        </p:txBody>
-      </p:sp>
-      <p:sp>
-        <p:nvSpPr>
-          <p:cNvPr id="5" name="文本框 4"/>
-          <p:cNvSpPr txBox="1"/>
-          <p:nvPr/>
-        </p:nvSpPr>
-        <p:spPr>
-          <a:xfrm>
-            <a:off x="4660900" y="5015230"/>
-            <a:ext cx="722630" cy="369332"/>
-          </a:xfrm>
-          <a:prstGeom prst="rect">
-            <a:avLst/>
-          </a:prstGeom>
-          <a:noFill/>
-        </p:spPr>
-        <p:txBody>
-          <a:bodyPr wrap="square" rtlCol="0">
-            <a:spAutoFit/>
-          </a:bodyPr>
-          <a:lstStyle/>
-          <a:p>
-            <a:r>
-              <a:rPr lang="en-US" altLang="zh-CN" dirty="0" smtClean="0"/>
-              <a:t>radio</a:t>
-            </a:r>
-            <a:endParaRPr lang="zh-CN" altLang="en-US" dirty="0"/>
-          </a:p>
-        </p:txBody>
-      </p:sp>
-      <p:sp>
-        <p:nvSpPr>
-          <p:cNvPr id="6" name="文本框 5"/>
-          <p:cNvSpPr txBox="1"/>
-          <p:nvPr/>
-        </p:nvSpPr>
-        <p:spPr>
-          <a:xfrm>
-            <a:off x="5383530" y="5015230"/>
-            <a:ext cx="902970" cy="369332"/>
-          </a:xfrm>
-          <a:prstGeom prst="rect">
-            <a:avLst/>
-          </a:prstGeom>
-          <a:noFill/>
-        </p:spPr>
-        <p:txBody>
-          <a:bodyPr wrap="square" rtlCol="0">
-            <a:spAutoFit/>
-          </a:bodyPr>
-          <a:lstStyle/>
-          <a:p>
-            <a:r>
-              <a:rPr lang="en-US" altLang="zh-CN" dirty="0" smtClean="0"/>
-              <a:t>events</a:t>
-            </a:r>
-            <a:endParaRPr lang="zh-CN" altLang="en-US" dirty="0"/>
-          </a:p>
-        </p:txBody>
-      </p:sp>
-      <p:sp>
-        <p:nvSpPr>
-          <p:cNvPr id="7" name="矩形 6"/>
-          <p:cNvSpPr/>
-          <p:nvPr/>
-        </p:nvSpPr>
-        <p:spPr>
-          <a:xfrm>
-            <a:off x="1269267" y="5015230"/>
-            <a:ext cx="1576265" cy="369332"/>
-          </a:xfrm>
-          <a:prstGeom prst="rect">
-            <a:avLst/>
-          </a:prstGeom>
-        </p:spPr>
-        <p:txBody>
-          <a:bodyPr wrap="none">
-            <a:spAutoFit/>
-          </a:bodyPr>
-          <a:lstStyle/>
-          <a:p>
-            <a:r>
-              <a:rPr lang="zh-CN" altLang="en-US" dirty="0"/>
-              <a:t>logger_name.c</a:t>
-            </a:r>
-          </a:p>
-        </p:txBody>
-      </p:sp>
-      <p:sp>
-        <p:nvSpPr>
-          <p:cNvPr id="8" name="矩形 7"/>
-          <p:cNvSpPr/>
-          <p:nvPr/>
-        </p:nvSpPr>
-        <p:spPr>
-          <a:xfrm>
-            <a:off x="7170244" y="3936484"/>
-            <a:ext cx="758541" cy="369332"/>
-          </a:xfrm>
-          <a:prstGeom prst="rect">
-            <a:avLst/>
-          </a:prstGeom>
-        </p:spPr>
-        <p:txBody>
-          <a:bodyPr wrap="none">
-            <a:spAutoFit/>
-          </a:bodyPr>
-          <a:lstStyle/>
-          <a:p>
-            <a:r>
-              <a:rPr lang="zh-CN" altLang="en-US" dirty="0"/>
-              <a:t>log_id</a:t>
-            </a:r>
-          </a:p>
-        </p:txBody>
-      </p:sp>
-      <p:sp>
-        <p:nvSpPr>
-          <p:cNvPr id="9" name="矩形 8"/>
-          <p:cNvSpPr/>
-          <p:nvPr/>
-        </p:nvSpPr>
-        <p:spPr>
-          <a:xfrm>
-            <a:off x="939881" y="3936484"/>
-            <a:ext cx="2235035" cy="369332"/>
-          </a:xfrm>
-          <a:prstGeom prst="rect">
-            <a:avLst/>
-          </a:prstGeom>
-        </p:spPr>
-        <p:txBody>
-          <a:bodyPr wrap="none">
-            <a:spAutoFit/>
-          </a:bodyPr>
-          <a:lstStyle/>
-          <a:p>
-            <a:r>
-              <a:rPr lang="zh-CN" altLang="en-US" dirty="0"/>
-              <a:t>include/android/log.h</a:t>
-            </a:r>
-          </a:p>
-        </p:txBody>
-      </p:sp>
-      <p:sp>
-        <p:nvSpPr>
-          <p:cNvPr id="10" name="文本框 9"/>
-          <p:cNvSpPr txBox="1"/>
-          <p:nvPr/>
-        </p:nvSpPr>
-        <p:spPr>
-          <a:xfrm>
-            <a:off x="6286500" y="5015230"/>
-            <a:ext cx="901700" cy="369332"/>
-          </a:xfrm>
-          <a:prstGeom prst="rect">
-            <a:avLst/>
-          </a:prstGeom>
-          <a:noFill/>
-        </p:spPr>
-        <p:txBody>
-          <a:bodyPr wrap="square" rtlCol="0">
-            <a:spAutoFit/>
-          </a:bodyPr>
-          <a:lstStyle/>
-          <a:p>
-            <a:r>
-              <a:rPr lang="en-US" altLang="zh-CN" dirty="0" smtClean="0"/>
-              <a:t>system</a:t>
-            </a:r>
-            <a:endParaRPr lang="zh-CN" altLang="en-US" dirty="0"/>
-          </a:p>
-        </p:txBody>
-      </p:sp>
-      <p:sp>
-        <p:nvSpPr>
-          <p:cNvPr id="11" name="文本框 10"/>
-          <p:cNvSpPr txBox="1"/>
-          <p:nvPr/>
-        </p:nvSpPr>
-        <p:spPr>
-          <a:xfrm>
-            <a:off x="7188200" y="5015230"/>
-            <a:ext cx="722630" cy="369332"/>
-          </a:xfrm>
-          <a:prstGeom prst="rect">
-            <a:avLst/>
-          </a:prstGeom>
-          <a:noFill/>
-        </p:spPr>
-        <p:txBody>
-          <a:bodyPr wrap="square" rtlCol="0">
-            <a:spAutoFit/>
-          </a:bodyPr>
-          <a:lstStyle/>
-          <a:p>
-            <a:r>
-              <a:rPr lang="en-US" altLang="zh-CN" dirty="0" smtClean="0"/>
-              <a:t>crash</a:t>
-            </a:r>
-            <a:endParaRPr lang="zh-CN" altLang="en-US" dirty="0"/>
-          </a:p>
-        </p:txBody>
-      </p:sp>
-      <p:sp>
-        <p:nvSpPr>
-          <p:cNvPr id="12" name="文本框 11"/>
-          <p:cNvSpPr txBox="1"/>
-          <p:nvPr/>
-        </p:nvSpPr>
-        <p:spPr>
-          <a:xfrm>
-            <a:off x="7910830" y="5015230"/>
-            <a:ext cx="902970" cy="369332"/>
-          </a:xfrm>
-          <a:prstGeom prst="rect">
-            <a:avLst/>
-          </a:prstGeom>
-          <a:noFill/>
-        </p:spPr>
-        <p:txBody>
-          <a:bodyPr wrap="square" rtlCol="0">
-            <a:spAutoFit/>
-          </a:bodyPr>
-          <a:lstStyle/>
-          <a:p>
-            <a:r>
-              <a:rPr lang="en-US" altLang="zh-CN" dirty="0" smtClean="0"/>
-              <a:t>stats</a:t>
-            </a:r>
-            <a:endParaRPr lang="zh-CN" altLang="en-US" dirty="0"/>
-          </a:p>
-        </p:txBody>
-      </p:sp>
-      <p:sp>
-        <p:nvSpPr>
-          <p:cNvPr id="13" name="文本框 12"/>
-          <p:cNvSpPr txBox="1"/>
-          <p:nvPr/>
-        </p:nvSpPr>
-        <p:spPr>
-          <a:xfrm>
-            <a:off x="8633460" y="5015230"/>
-            <a:ext cx="974090" cy="369332"/>
-          </a:xfrm>
-          <a:prstGeom prst="rect">
-            <a:avLst/>
-          </a:prstGeom>
-          <a:noFill/>
-        </p:spPr>
-        <p:txBody>
-          <a:bodyPr wrap="square" rtlCol="0">
-            <a:spAutoFit/>
-          </a:bodyPr>
-          <a:lstStyle/>
-          <a:p>
-            <a:r>
-              <a:rPr lang="en-US" altLang="zh-CN" dirty="0" smtClean="0"/>
-              <a:t>security</a:t>
-            </a:r>
-            <a:endParaRPr lang="zh-CN" altLang="en-US" dirty="0"/>
-          </a:p>
-        </p:txBody>
-      </p:sp>
-      <p:sp>
-        <p:nvSpPr>
-          <p:cNvPr id="14" name="文本框 13"/>
-          <p:cNvSpPr txBox="1"/>
-          <p:nvPr/>
-        </p:nvSpPr>
-        <p:spPr>
-          <a:xfrm>
-            <a:off x="9536430" y="5015230"/>
-            <a:ext cx="902970" cy="369332"/>
-          </a:xfrm>
-          <a:prstGeom prst="rect">
-            <a:avLst/>
-          </a:prstGeom>
-          <a:noFill/>
-        </p:spPr>
-        <p:txBody>
-          <a:bodyPr wrap="square" rtlCol="0">
-            <a:spAutoFit/>
-          </a:bodyPr>
-          <a:lstStyle/>
-          <a:p>
-            <a:r>
-              <a:rPr lang="en-US" altLang="zh-CN" dirty="0" smtClean="0"/>
-              <a:t>kernel</a:t>
-            </a:r>
-            <a:endParaRPr lang="zh-CN" altLang="en-US" dirty="0"/>
-          </a:p>
-        </p:txBody>
-      </p:sp>
-      <p:sp>
-        <p:nvSpPr>
-          <p:cNvPr id="15" name="矩形 14"/>
-          <p:cNvSpPr/>
-          <p:nvPr/>
-        </p:nvSpPr>
-        <p:spPr>
-          <a:xfrm>
-            <a:off x="3938270" y="2615684"/>
-            <a:ext cx="1532086" cy="369332"/>
-          </a:xfrm>
-          <a:prstGeom prst="rect">
-            <a:avLst/>
-          </a:prstGeom>
-        </p:spPr>
-        <p:txBody>
-          <a:bodyPr wrap="none">
-            <a:spAutoFit/>
-          </a:bodyPr>
-          <a:lstStyle/>
-          <a:p>
-            <a:r>
-              <a:rPr lang="zh-CN" altLang="en-US" dirty="0"/>
-              <a:t>logger_write.c</a:t>
-            </a:r>
-          </a:p>
-        </p:txBody>
-      </p:sp>
-      <p:sp>
-        <p:nvSpPr>
-          <p:cNvPr id="16" name="矩形 15"/>
-          <p:cNvSpPr/>
-          <p:nvPr/>
-        </p:nvSpPr>
-        <p:spPr>
-          <a:xfrm>
-            <a:off x="8633460" y="2615684"/>
-            <a:ext cx="1469057" cy="369332"/>
-          </a:xfrm>
-          <a:prstGeom prst="rect">
-            <a:avLst/>
-          </a:prstGeom>
-        </p:spPr>
-        <p:txBody>
-          <a:bodyPr wrap="none">
-            <a:spAutoFit/>
-          </a:bodyPr>
-          <a:lstStyle/>
-          <a:p>
-            <a:r>
-              <a:rPr lang="zh-CN" altLang="en-US" dirty="0"/>
-              <a:t>logger_read.c</a:t>
-            </a:r>
-          </a:p>
-        </p:txBody>
-      </p:sp>
     </p:spTree>
     <p:extLst>
       <p:ext uri="{BB962C8B-B14F-4D97-AF65-F5344CB8AC3E}">
-        <p14:creationId xmlns:p14="http://schemas.microsoft.com/office/powerpoint/2010/main" val="900382679"/>
+        <p14:creationId xmlns:p14="http://schemas.microsoft.com/office/powerpoint/2010/main" val="4257707756"/>
       </p:ext>
     </p:extLst>
   </p:cSld>
